--- a/dist/doc/NT18PosterSample.pptx
+++ b/dist/doc/NT18PosterSample.pptx
@@ -254,7 +254,7 @@
           <a:p>
             <a:fld id="{0BA1233D-A397-43CA-B78C-E0D82F3BA639}" type="datetimeFigureOut">
               <a:rPr lang="zh-CN" altLang="en-US" smtClean="0"/>
-              <a:t>2018-5-29</a:t>
+              <a:t>2018-6-19</a:t>
             </a:fld>
             <a:endParaRPr lang="zh-CN" altLang="en-US"/>
           </a:p>
@@ -424,7 +424,7 @@
           <a:p>
             <a:fld id="{0BA1233D-A397-43CA-B78C-E0D82F3BA639}" type="datetimeFigureOut">
               <a:rPr lang="zh-CN" altLang="en-US" smtClean="0"/>
-              <a:t>2018-5-29</a:t>
+              <a:t>2018-6-19</a:t>
             </a:fld>
             <a:endParaRPr lang="zh-CN" altLang="en-US"/>
           </a:p>
@@ -604,7 +604,7 @@
           <a:p>
             <a:fld id="{0BA1233D-A397-43CA-B78C-E0D82F3BA639}" type="datetimeFigureOut">
               <a:rPr lang="zh-CN" altLang="en-US" smtClean="0"/>
-              <a:t>2018-5-29</a:t>
+              <a:t>2018-6-19</a:t>
             </a:fld>
             <a:endParaRPr lang="zh-CN" altLang="en-US"/>
           </a:p>
@@ -774,7 +774,7 @@
           <a:p>
             <a:fld id="{0BA1233D-A397-43CA-B78C-E0D82F3BA639}" type="datetimeFigureOut">
               <a:rPr lang="zh-CN" altLang="en-US" smtClean="0"/>
-              <a:t>2018-5-29</a:t>
+              <a:t>2018-6-19</a:t>
             </a:fld>
             <a:endParaRPr lang="zh-CN" altLang="en-US"/>
           </a:p>
@@ -1020,7 +1020,7 @@
           <a:p>
             <a:fld id="{0BA1233D-A397-43CA-B78C-E0D82F3BA639}" type="datetimeFigureOut">
               <a:rPr lang="zh-CN" altLang="en-US" smtClean="0"/>
-              <a:t>2018-5-29</a:t>
+              <a:t>2018-6-19</a:t>
             </a:fld>
             <a:endParaRPr lang="zh-CN" altLang="en-US"/>
           </a:p>
@@ -1252,7 +1252,7 @@
           <a:p>
             <a:fld id="{0BA1233D-A397-43CA-B78C-E0D82F3BA639}" type="datetimeFigureOut">
               <a:rPr lang="zh-CN" altLang="en-US" smtClean="0"/>
-              <a:t>2018-5-29</a:t>
+              <a:t>2018-6-19</a:t>
             </a:fld>
             <a:endParaRPr lang="zh-CN" altLang="en-US"/>
           </a:p>
@@ -1619,7 +1619,7 @@
           <a:p>
             <a:fld id="{0BA1233D-A397-43CA-B78C-E0D82F3BA639}" type="datetimeFigureOut">
               <a:rPr lang="zh-CN" altLang="en-US" smtClean="0"/>
-              <a:t>2018-5-29</a:t>
+              <a:t>2018-6-19</a:t>
             </a:fld>
             <a:endParaRPr lang="zh-CN" altLang="en-US"/>
           </a:p>
@@ -1737,7 +1737,7 @@
           <a:p>
             <a:fld id="{0BA1233D-A397-43CA-B78C-E0D82F3BA639}" type="datetimeFigureOut">
               <a:rPr lang="zh-CN" altLang="en-US" smtClean="0"/>
-              <a:t>2018-5-29</a:t>
+              <a:t>2018-6-19</a:t>
             </a:fld>
             <a:endParaRPr lang="zh-CN" altLang="en-US"/>
           </a:p>
@@ -1832,7 +1832,7 @@
           <a:p>
             <a:fld id="{0BA1233D-A397-43CA-B78C-E0D82F3BA639}" type="datetimeFigureOut">
               <a:rPr lang="zh-CN" altLang="en-US" smtClean="0"/>
-              <a:t>2018-5-29</a:t>
+              <a:t>2018-6-19</a:t>
             </a:fld>
             <a:endParaRPr lang="zh-CN" altLang="en-US"/>
           </a:p>
@@ -2109,7 +2109,7 @@
           <a:p>
             <a:fld id="{0BA1233D-A397-43CA-B78C-E0D82F3BA639}" type="datetimeFigureOut">
               <a:rPr lang="zh-CN" altLang="en-US" smtClean="0"/>
-              <a:t>2018-5-29</a:t>
+              <a:t>2018-6-19</a:t>
             </a:fld>
             <a:endParaRPr lang="zh-CN" altLang="en-US"/>
           </a:p>
@@ -2362,7 +2362,7 @@
           <a:p>
             <a:fld id="{0BA1233D-A397-43CA-B78C-E0D82F3BA639}" type="datetimeFigureOut">
               <a:rPr lang="zh-CN" altLang="en-US" smtClean="0"/>
-              <a:t>2018-5-29</a:t>
+              <a:t>2018-6-19</a:t>
             </a:fld>
             <a:endParaRPr lang="zh-CN" altLang="en-US"/>
           </a:p>
@@ -2575,7 +2575,7 @@
           <a:p>
             <a:fld id="{0BA1233D-A397-43CA-B78C-E0D82F3BA639}" type="datetimeFigureOut">
               <a:rPr lang="zh-CN" altLang="en-US" smtClean="0"/>
-              <a:t>2018-5-29</a:t>
+              <a:t>2018-6-19</a:t>
             </a:fld>
             <a:endParaRPr lang="zh-CN" altLang="en-US"/>
           </a:p>
@@ -3199,7 +3199,7 @@
         </p:nvSpPr>
         <p:spPr>
           <a:xfrm>
-            <a:off x="419100" y="1324004"/>
+            <a:off x="489885" y="761493"/>
             <a:ext cx="3467100" cy="1323439"/>
           </a:xfrm>
           <a:prstGeom prst="rect">
@@ -3222,8 +3222,15 @@
                 <a:latin typeface="微软雅黑" panose="020B0503020204020204" pitchFamily="34" charset="-122"/>
                 <a:ea typeface="微软雅黑" panose="020B0503020204020204" pitchFamily="34" charset="-122"/>
               </a:rPr>
-              <a:t>A.1</a:t>
-            </a:r>
+              <a:t>PS100</a:t>
+            </a:r>
+            <a:endParaRPr lang="en-US" altLang="zh-CN" sz="8000" b="1" dirty="0" smtClean="0">
+              <a:solidFill>
+                <a:schemeClr val="bg1"/>
+              </a:solidFill>
+              <a:latin typeface="微软雅黑" panose="020B0503020204020204" pitchFamily="34" charset="-122"/>
+              <a:ea typeface="微软雅黑" panose="020B0503020204020204" pitchFamily="34" charset="-122"/>
+            </a:endParaRPr>
           </a:p>
         </p:txBody>
       </p:sp>

--- a/dist/doc/NT18PosterSample.pptx
+++ b/dist/doc/NT18PosterSample.pptx
@@ -254,7 +254,7 @@
           <a:p>
             <a:fld id="{0BA1233D-A397-43CA-B78C-E0D82F3BA639}" type="datetimeFigureOut">
               <a:rPr lang="zh-CN" altLang="en-US" smtClean="0"/>
-              <a:t>2018-6-19</a:t>
+              <a:t>2018-7-9</a:t>
             </a:fld>
             <a:endParaRPr lang="zh-CN" altLang="en-US"/>
           </a:p>
@@ -424,7 +424,7 @@
           <a:p>
             <a:fld id="{0BA1233D-A397-43CA-B78C-E0D82F3BA639}" type="datetimeFigureOut">
               <a:rPr lang="zh-CN" altLang="en-US" smtClean="0"/>
-              <a:t>2018-6-19</a:t>
+              <a:t>2018-7-9</a:t>
             </a:fld>
             <a:endParaRPr lang="zh-CN" altLang="en-US"/>
           </a:p>
@@ -604,7 +604,7 @@
           <a:p>
             <a:fld id="{0BA1233D-A397-43CA-B78C-E0D82F3BA639}" type="datetimeFigureOut">
               <a:rPr lang="zh-CN" altLang="en-US" smtClean="0"/>
-              <a:t>2018-6-19</a:t>
+              <a:t>2018-7-9</a:t>
             </a:fld>
             <a:endParaRPr lang="zh-CN" altLang="en-US"/>
           </a:p>
@@ -774,7 +774,7 @@
           <a:p>
             <a:fld id="{0BA1233D-A397-43CA-B78C-E0D82F3BA639}" type="datetimeFigureOut">
               <a:rPr lang="zh-CN" altLang="en-US" smtClean="0"/>
-              <a:t>2018-6-19</a:t>
+              <a:t>2018-7-9</a:t>
             </a:fld>
             <a:endParaRPr lang="zh-CN" altLang="en-US"/>
           </a:p>
@@ -1020,7 +1020,7 @@
           <a:p>
             <a:fld id="{0BA1233D-A397-43CA-B78C-E0D82F3BA639}" type="datetimeFigureOut">
               <a:rPr lang="zh-CN" altLang="en-US" smtClean="0"/>
-              <a:t>2018-6-19</a:t>
+              <a:t>2018-7-9</a:t>
             </a:fld>
             <a:endParaRPr lang="zh-CN" altLang="en-US"/>
           </a:p>
@@ -1252,7 +1252,7 @@
           <a:p>
             <a:fld id="{0BA1233D-A397-43CA-B78C-E0D82F3BA639}" type="datetimeFigureOut">
               <a:rPr lang="zh-CN" altLang="en-US" smtClean="0"/>
-              <a:t>2018-6-19</a:t>
+              <a:t>2018-7-9</a:t>
             </a:fld>
             <a:endParaRPr lang="zh-CN" altLang="en-US"/>
           </a:p>
@@ -1619,7 +1619,7 @@
           <a:p>
             <a:fld id="{0BA1233D-A397-43CA-B78C-E0D82F3BA639}" type="datetimeFigureOut">
               <a:rPr lang="zh-CN" altLang="en-US" smtClean="0"/>
-              <a:t>2018-6-19</a:t>
+              <a:t>2018-7-9</a:t>
             </a:fld>
             <a:endParaRPr lang="zh-CN" altLang="en-US"/>
           </a:p>
@@ -1737,7 +1737,7 @@
           <a:p>
             <a:fld id="{0BA1233D-A397-43CA-B78C-E0D82F3BA639}" type="datetimeFigureOut">
               <a:rPr lang="zh-CN" altLang="en-US" smtClean="0"/>
-              <a:t>2018-6-19</a:t>
+              <a:t>2018-7-9</a:t>
             </a:fld>
             <a:endParaRPr lang="zh-CN" altLang="en-US"/>
           </a:p>
@@ -1832,7 +1832,7 @@
           <a:p>
             <a:fld id="{0BA1233D-A397-43CA-B78C-E0D82F3BA639}" type="datetimeFigureOut">
               <a:rPr lang="zh-CN" altLang="en-US" smtClean="0"/>
-              <a:t>2018-6-19</a:t>
+              <a:t>2018-7-9</a:t>
             </a:fld>
             <a:endParaRPr lang="zh-CN" altLang="en-US"/>
           </a:p>
@@ -2109,7 +2109,7 @@
           <a:p>
             <a:fld id="{0BA1233D-A397-43CA-B78C-E0D82F3BA639}" type="datetimeFigureOut">
               <a:rPr lang="zh-CN" altLang="en-US" smtClean="0"/>
-              <a:t>2018-6-19</a:t>
+              <a:t>2018-7-9</a:t>
             </a:fld>
             <a:endParaRPr lang="zh-CN" altLang="en-US"/>
           </a:p>
@@ -2362,7 +2362,7 @@
           <a:p>
             <a:fld id="{0BA1233D-A397-43CA-B78C-E0D82F3BA639}" type="datetimeFigureOut">
               <a:rPr lang="zh-CN" altLang="en-US" smtClean="0"/>
-              <a:t>2018-6-19</a:t>
+              <a:t>2018-7-9</a:t>
             </a:fld>
             <a:endParaRPr lang="zh-CN" altLang="en-US"/>
           </a:p>
@@ -2575,7 +2575,7 @@
           <a:p>
             <a:fld id="{0BA1233D-A397-43CA-B78C-E0D82F3BA639}" type="datetimeFigureOut">
               <a:rPr lang="zh-CN" altLang="en-US" smtClean="0"/>
-              <a:t>2018-6-19</a:t>
+              <a:t>2018-7-9</a:t>
             </a:fld>
             <a:endParaRPr lang="zh-CN" altLang="en-US"/>
           </a:p>
@@ -3139,14 +3139,14 @@
                 <a:latin typeface="Times New Roman" panose="02020603050405020304" pitchFamily="18" charset="0"/>
                 <a:cs typeface="Times New Roman" panose="02020603050405020304" pitchFamily="18" charset="0"/>
               </a:rPr>
-              <a:t>Email of Presenter: </a:t>
-            </a:r>
-            <a:r>
-              <a:rPr lang="en-US" altLang="zh-CN" sz="4800" dirty="0" err="1" smtClean="0">
+              <a:t>Email: </a:t>
+            </a:r>
+            <a:r>
+              <a:rPr lang="en-US" altLang="zh-CN" sz="4800" smtClean="0">
                 <a:latin typeface="Times New Roman" panose="02020603050405020304" pitchFamily="18" charset="0"/>
                 <a:cs typeface="Times New Roman" panose="02020603050405020304" pitchFamily="18" charset="0"/>
               </a:rPr>
-              <a:t>presernter@xxx.xxx.xx</a:t>
+              <a:t>Author@xxx.xxx.xx</a:t>
             </a:r>
             <a:endParaRPr lang="en-US" altLang="zh-CN" sz="4800" dirty="0" smtClean="0">
               <a:latin typeface="Times New Roman" panose="02020603050405020304" pitchFamily="18" charset="0"/>
@@ -3224,13 +3224,6 @@
               </a:rPr>
               <a:t>PS100</a:t>
             </a:r>
-            <a:endParaRPr lang="en-US" altLang="zh-CN" sz="8000" b="1" dirty="0" smtClean="0">
-              <a:solidFill>
-                <a:schemeClr val="bg1"/>
-              </a:solidFill>
-              <a:latin typeface="微软雅黑" panose="020B0503020204020204" pitchFamily="34" charset="-122"/>
-              <a:ea typeface="微软雅黑" panose="020B0503020204020204" pitchFamily="34" charset="-122"/>
-            </a:endParaRPr>
           </a:p>
         </p:txBody>
       </p:sp>
